--- a/RaspiWiring.pptx
+++ b/RaspiWiring.pptx
@@ -261,7 +261,7 @@
           <a:p>
             <a:fld id="{16AA6F50-2625-484A-8F18-DF3F83B384C2}" type="datetimeFigureOut">
               <a:rPr lang="de-DE" smtClean="0"/>
-              <a:t>20.08.2021</a:t>
+              <a:t>22.08.2021</a:t>
             </a:fld>
             <a:endParaRPr lang="de-DE"/>
           </a:p>
@@ -461,7 +461,7 @@
           <a:p>
             <a:fld id="{16AA6F50-2625-484A-8F18-DF3F83B384C2}" type="datetimeFigureOut">
               <a:rPr lang="de-DE" smtClean="0"/>
-              <a:t>20.08.2021</a:t>
+              <a:t>22.08.2021</a:t>
             </a:fld>
             <a:endParaRPr lang="de-DE"/>
           </a:p>
@@ -671,7 +671,7 @@
           <a:p>
             <a:fld id="{16AA6F50-2625-484A-8F18-DF3F83B384C2}" type="datetimeFigureOut">
               <a:rPr lang="de-DE" smtClean="0"/>
-              <a:t>20.08.2021</a:t>
+              <a:t>22.08.2021</a:t>
             </a:fld>
             <a:endParaRPr lang="de-DE"/>
           </a:p>
@@ -871,7 +871,7 @@
           <a:p>
             <a:fld id="{16AA6F50-2625-484A-8F18-DF3F83B384C2}" type="datetimeFigureOut">
               <a:rPr lang="de-DE" smtClean="0"/>
-              <a:t>20.08.2021</a:t>
+              <a:t>22.08.2021</a:t>
             </a:fld>
             <a:endParaRPr lang="de-DE"/>
           </a:p>
@@ -1147,7 +1147,7 @@
           <a:p>
             <a:fld id="{16AA6F50-2625-484A-8F18-DF3F83B384C2}" type="datetimeFigureOut">
               <a:rPr lang="de-DE" smtClean="0"/>
-              <a:t>20.08.2021</a:t>
+              <a:t>22.08.2021</a:t>
             </a:fld>
             <a:endParaRPr lang="de-DE"/>
           </a:p>
@@ -1415,7 +1415,7 @@
           <a:p>
             <a:fld id="{16AA6F50-2625-484A-8F18-DF3F83B384C2}" type="datetimeFigureOut">
               <a:rPr lang="de-DE" smtClean="0"/>
-              <a:t>20.08.2021</a:t>
+              <a:t>22.08.2021</a:t>
             </a:fld>
             <a:endParaRPr lang="de-DE"/>
           </a:p>
@@ -1830,7 +1830,7 @@
           <a:p>
             <a:fld id="{16AA6F50-2625-484A-8F18-DF3F83B384C2}" type="datetimeFigureOut">
               <a:rPr lang="de-DE" smtClean="0"/>
-              <a:t>20.08.2021</a:t>
+              <a:t>22.08.2021</a:t>
             </a:fld>
             <a:endParaRPr lang="de-DE"/>
           </a:p>
@@ -1972,7 +1972,7 @@
           <a:p>
             <a:fld id="{16AA6F50-2625-484A-8F18-DF3F83B384C2}" type="datetimeFigureOut">
               <a:rPr lang="de-DE" smtClean="0"/>
-              <a:t>20.08.2021</a:t>
+              <a:t>22.08.2021</a:t>
             </a:fld>
             <a:endParaRPr lang="de-DE"/>
           </a:p>
@@ -2085,7 +2085,7 @@
           <a:p>
             <a:fld id="{16AA6F50-2625-484A-8F18-DF3F83B384C2}" type="datetimeFigureOut">
               <a:rPr lang="de-DE" smtClean="0"/>
-              <a:t>20.08.2021</a:t>
+              <a:t>22.08.2021</a:t>
             </a:fld>
             <a:endParaRPr lang="de-DE"/>
           </a:p>
@@ -2398,7 +2398,7 @@
           <a:p>
             <a:fld id="{16AA6F50-2625-484A-8F18-DF3F83B384C2}" type="datetimeFigureOut">
               <a:rPr lang="de-DE" smtClean="0"/>
-              <a:t>20.08.2021</a:t>
+              <a:t>22.08.2021</a:t>
             </a:fld>
             <a:endParaRPr lang="de-DE"/>
           </a:p>
@@ -2687,7 +2687,7 @@
           <a:p>
             <a:fld id="{16AA6F50-2625-484A-8F18-DF3F83B384C2}" type="datetimeFigureOut">
               <a:rPr lang="de-DE" smtClean="0"/>
-              <a:t>20.08.2021</a:t>
+              <a:t>22.08.2021</a:t>
             </a:fld>
             <a:endParaRPr lang="de-DE"/>
           </a:p>
@@ -2930,7 +2930,7 @@
           <a:p>
             <a:fld id="{16AA6F50-2625-484A-8F18-DF3F83B384C2}" type="datetimeFigureOut">
               <a:rPr lang="de-DE" smtClean="0"/>
-              <a:t>20.08.2021</a:t>
+              <a:t>22.08.2021</a:t>
             </a:fld>
             <a:endParaRPr lang="de-DE"/>
           </a:p>
@@ -3690,7 +3690,25 @@
             <a:pPr algn="ctr"/>
             <a:r>
               <a:rPr lang="en-US" sz="900" dirty="0"/>
-              <a:t>Arduino</a:t>
+              <a:t>MCO</a:t>
+            </a:r>
+          </a:p>
+          <a:p>
+            <a:pPr algn="ctr"/>
+            <a:r>
+              <a:rPr lang="en-US" sz="900" dirty="0"/>
+              <a:t>Microcontroller</a:t>
+            </a:r>
+          </a:p>
+          <a:p>
+            <a:pPr algn="ctr"/>
+            <a:r>
+              <a:rPr lang="en-US" sz="900" dirty="0" err="1"/>
+              <a:t>Eg</a:t>
+            </a:r>
+            <a:r>
+              <a:rPr lang="en-US" sz="900" dirty="0"/>
+              <a:t> Arduino, ATMega328p</a:t>
             </a:r>
             <a:endParaRPr lang="de-DE" sz="900" dirty="0"/>
           </a:p>

--- a/RaspiWiring.pptx
+++ b/RaspiWiring.pptx
@@ -261,7 +261,7 @@
           <a:p>
             <a:fld id="{16AA6F50-2625-484A-8F18-DF3F83B384C2}" type="datetimeFigureOut">
               <a:rPr lang="de-DE" smtClean="0"/>
-              <a:t>22.08.2021</a:t>
+              <a:t>25.08.2021</a:t>
             </a:fld>
             <a:endParaRPr lang="de-DE"/>
           </a:p>
@@ -461,7 +461,7 @@
           <a:p>
             <a:fld id="{16AA6F50-2625-484A-8F18-DF3F83B384C2}" type="datetimeFigureOut">
               <a:rPr lang="de-DE" smtClean="0"/>
-              <a:t>22.08.2021</a:t>
+              <a:t>25.08.2021</a:t>
             </a:fld>
             <a:endParaRPr lang="de-DE"/>
           </a:p>
@@ -671,7 +671,7 @@
           <a:p>
             <a:fld id="{16AA6F50-2625-484A-8F18-DF3F83B384C2}" type="datetimeFigureOut">
               <a:rPr lang="de-DE" smtClean="0"/>
-              <a:t>22.08.2021</a:t>
+              <a:t>25.08.2021</a:t>
             </a:fld>
             <a:endParaRPr lang="de-DE"/>
           </a:p>
@@ -871,7 +871,7 @@
           <a:p>
             <a:fld id="{16AA6F50-2625-484A-8F18-DF3F83B384C2}" type="datetimeFigureOut">
               <a:rPr lang="de-DE" smtClean="0"/>
-              <a:t>22.08.2021</a:t>
+              <a:t>25.08.2021</a:t>
             </a:fld>
             <a:endParaRPr lang="de-DE"/>
           </a:p>
@@ -1147,7 +1147,7 @@
           <a:p>
             <a:fld id="{16AA6F50-2625-484A-8F18-DF3F83B384C2}" type="datetimeFigureOut">
               <a:rPr lang="de-DE" smtClean="0"/>
-              <a:t>22.08.2021</a:t>
+              <a:t>25.08.2021</a:t>
             </a:fld>
             <a:endParaRPr lang="de-DE"/>
           </a:p>
@@ -1415,7 +1415,7 @@
           <a:p>
             <a:fld id="{16AA6F50-2625-484A-8F18-DF3F83B384C2}" type="datetimeFigureOut">
               <a:rPr lang="de-DE" smtClean="0"/>
-              <a:t>22.08.2021</a:t>
+              <a:t>25.08.2021</a:t>
             </a:fld>
             <a:endParaRPr lang="de-DE"/>
           </a:p>
@@ -1830,7 +1830,7 @@
           <a:p>
             <a:fld id="{16AA6F50-2625-484A-8F18-DF3F83B384C2}" type="datetimeFigureOut">
               <a:rPr lang="de-DE" smtClean="0"/>
-              <a:t>22.08.2021</a:t>
+              <a:t>25.08.2021</a:t>
             </a:fld>
             <a:endParaRPr lang="de-DE"/>
           </a:p>
@@ -1972,7 +1972,7 @@
           <a:p>
             <a:fld id="{16AA6F50-2625-484A-8F18-DF3F83B384C2}" type="datetimeFigureOut">
               <a:rPr lang="de-DE" smtClean="0"/>
-              <a:t>22.08.2021</a:t>
+              <a:t>25.08.2021</a:t>
             </a:fld>
             <a:endParaRPr lang="de-DE"/>
           </a:p>
@@ -2085,7 +2085,7 @@
           <a:p>
             <a:fld id="{16AA6F50-2625-484A-8F18-DF3F83B384C2}" type="datetimeFigureOut">
               <a:rPr lang="de-DE" smtClean="0"/>
-              <a:t>22.08.2021</a:t>
+              <a:t>25.08.2021</a:t>
             </a:fld>
             <a:endParaRPr lang="de-DE"/>
           </a:p>
@@ -2398,7 +2398,7 @@
           <a:p>
             <a:fld id="{16AA6F50-2625-484A-8F18-DF3F83B384C2}" type="datetimeFigureOut">
               <a:rPr lang="de-DE" smtClean="0"/>
-              <a:t>22.08.2021</a:t>
+              <a:t>25.08.2021</a:t>
             </a:fld>
             <a:endParaRPr lang="de-DE"/>
           </a:p>
@@ -2687,7 +2687,7 @@
           <a:p>
             <a:fld id="{16AA6F50-2625-484A-8F18-DF3F83B384C2}" type="datetimeFigureOut">
               <a:rPr lang="de-DE" smtClean="0"/>
-              <a:t>22.08.2021</a:t>
+              <a:t>25.08.2021</a:t>
             </a:fld>
             <a:endParaRPr lang="de-DE"/>
           </a:p>
@@ -2930,7 +2930,7 @@
           <a:p>
             <a:fld id="{16AA6F50-2625-484A-8F18-DF3F83B384C2}" type="datetimeFigureOut">
               <a:rPr lang="de-DE" smtClean="0"/>
-              <a:t>22.08.2021</a:t>
+              <a:t>25.08.2021</a:t>
             </a:fld>
             <a:endParaRPr lang="de-DE"/>
           </a:p>
